--- a/Day 1. Session1.pptx
+++ b/Day 1. Session1.pptx
@@ -14,6 +14,7 @@
     <p:sldId id="260" r:id="rId8"/>
     <p:sldId id="261" r:id="rId9"/>
     <p:sldId id="264" r:id="rId10"/>
+    <p:sldId id="265" r:id="rId11"/>
   </p:sldIdLst>
   <p:sldSz cx="12192000" cy="6858000"/>
   <p:notesSz cx="6858000" cy="9144000"/>
@@ -112,6 +113,11 @@
       </a:defRPr>
     </a:lvl9pPr>
   </p:defaultTextStyle>
+  <p:extLst>
+    <p:ext uri="{EFAFB233-063F-42B5-8137-9DF3F51BA10A}">
+      <p15:sldGuideLst xmlns:p15="http://schemas.microsoft.com/office/powerpoint/2012/main"/>
+    </p:ext>
+  </p:extLst>
 </p:presentation>
 </file>
 
@@ -120,7 +126,7 @@
   <pc:docChgLst>
     <pc:chgData name="Hector Najera" userId="04fbcd51e4148ba7" providerId="LiveId" clId="{5B7D64E0-156E-4A4B-AF80-6F21EBE43AD5}"/>
     <pc:docChg chg="custSel addSld modSld">
-      <pc:chgData name="Hector Najera" userId="04fbcd51e4148ba7" providerId="LiveId" clId="{5B7D64E0-156E-4A4B-AF80-6F21EBE43AD5}" dt="2025-06-25T19:32:40.732" v="690"/>
+      <pc:chgData name="Hector Najera" userId="04fbcd51e4148ba7" providerId="LiveId" clId="{5B7D64E0-156E-4A4B-AF80-6F21EBE43AD5}" dt="2025-06-25T19:48:02.109" v="1038" actId="20577"/>
       <pc:docMkLst>
         <pc:docMk/>
       </pc:docMkLst>
@@ -285,6 +291,29 @@
             <pc:docMk/>
             <pc:sldMk cId="3794021860" sldId="264"/>
             <ac:spMk id="3" creationId="{DDD1B296-ED9E-FBDE-8501-10AF6502C5CD}"/>
+          </ac:spMkLst>
+        </pc:spChg>
+      </pc:sldChg>
+      <pc:sldChg chg="modSp new mod">
+        <pc:chgData name="Hector Najera" userId="04fbcd51e4148ba7" providerId="LiveId" clId="{5B7D64E0-156E-4A4B-AF80-6F21EBE43AD5}" dt="2025-06-25T19:48:02.109" v="1038" actId="20577"/>
+        <pc:sldMkLst>
+          <pc:docMk/>
+          <pc:sldMk cId="1678403958" sldId="265"/>
+        </pc:sldMkLst>
+        <pc:spChg chg="mod">
+          <ac:chgData name="Hector Najera" userId="04fbcd51e4148ba7" providerId="LiveId" clId="{5B7D64E0-156E-4A4B-AF80-6F21EBE43AD5}" dt="2025-06-25T19:45:29.481" v="708" actId="20577"/>
+          <ac:spMkLst>
+            <pc:docMk/>
+            <pc:sldMk cId="1678403958" sldId="265"/>
+            <ac:spMk id="2" creationId="{5726908C-9C76-57D7-B6F1-373CCD8C6CB7}"/>
+          </ac:spMkLst>
+        </pc:spChg>
+        <pc:spChg chg="mod">
+          <ac:chgData name="Hector Najera" userId="04fbcd51e4148ba7" providerId="LiveId" clId="{5B7D64E0-156E-4A4B-AF80-6F21EBE43AD5}" dt="2025-06-25T19:48:02.109" v="1038" actId="20577"/>
+          <ac:spMkLst>
+            <pc:docMk/>
+            <pc:sldMk cId="1678403958" sldId="265"/>
+            <ac:spMk id="3" creationId="{803ACA2C-6F34-6740-B077-446CE0B26AD9}"/>
           </ac:spMkLst>
         </pc:spChg>
       </pc:sldChg>
@@ -4218,6 +4247,149 @@
 </p:sld>
 </file>
 
+<file path=ppt/slides/slide10.xml><?xml version="1.0" encoding="utf-8"?>
+<p:sld xmlns:a="http://schemas.openxmlformats.org/drawingml/2006/main" xmlns:r="http://schemas.openxmlformats.org/officeDocument/2006/relationships" xmlns:p="http://schemas.openxmlformats.org/presentationml/2006/main">
+  <p:cSld>
+    <p:spTree>
+      <p:nvGrpSpPr>
+        <p:cNvPr id="1" name=""/>
+        <p:cNvGrpSpPr/>
+        <p:nvPr/>
+      </p:nvGrpSpPr>
+      <p:grpSpPr>
+        <a:xfrm>
+          <a:off x="0" y="0"/>
+          <a:ext cx="0" cy="0"/>
+          <a:chOff x="0" y="0"/>
+          <a:chExt cx="0" cy="0"/>
+        </a:xfrm>
+      </p:grpSpPr>
+      <p:sp>
+        <p:nvSpPr>
+          <p:cNvPr id="2" name="Title 1">
+            <a:extLst>
+              <a:ext uri="{FF2B5EF4-FFF2-40B4-BE49-F238E27FC236}">
+                <a16:creationId xmlns:a16="http://schemas.microsoft.com/office/drawing/2014/main" id="{5726908C-9C76-57D7-B6F1-373CCD8C6CB7}"/>
+              </a:ext>
+            </a:extLst>
+          </p:cNvPr>
+          <p:cNvSpPr>
+            <a:spLocks noGrp="1"/>
+          </p:cNvSpPr>
+          <p:nvPr>
+            <p:ph type="title"/>
+          </p:nvPr>
+        </p:nvSpPr>
+        <p:spPr/>
+        <p:txBody>
+          <a:bodyPr/>
+          <a:lstStyle/>
+          <a:p>
+            <a:r>
+              <a:rPr lang="en-US" dirty="0"/>
+              <a:t>Baseline practice</a:t>
+            </a:r>
+          </a:p>
+        </p:txBody>
+      </p:sp>
+      <p:sp>
+        <p:nvSpPr>
+          <p:cNvPr id="3" name="Content Placeholder 2">
+            <a:extLst>
+              <a:ext uri="{FF2B5EF4-FFF2-40B4-BE49-F238E27FC236}">
+                <a16:creationId xmlns:a16="http://schemas.microsoft.com/office/drawing/2014/main" id="{803ACA2C-6F34-6740-B077-446CE0B26AD9}"/>
+              </a:ext>
+            </a:extLst>
+          </p:cNvPr>
+          <p:cNvSpPr>
+            <a:spLocks noGrp="1"/>
+          </p:cNvSpPr>
+          <p:nvPr>
+            <p:ph idx="1"/>
+          </p:nvPr>
+        </p:nvSpPr>
+        <p:spPr/>
+        <p:txBody>
+          <a:bodyPr>
+            <a:normAutofit lnSpcReduction="10000"/>
+          </a:bodyPr>
+          <a:lstStyle/>
+          <a:p>
+            <a:r>
+              <a:rPr lang="en-US" dirty="0"/>
+              <a:t>Download the file</a:t>
+            </a:r>
+          </a:p>
+          <a:p>
+            <a:endParaRPr lang="en-US" dirty="0"/>
+          </a:p>
+          <a:p>
+            <a:r>
+              <a:rPr lang="en-US" dirty="0"/>
+              <a:t>Identify the mistakes</a:t>
+            </a:r>
+          </a:p>
+          <a:p>
+            <a:endParaRPr lang="en-US" dirty="0"/>
+          </a:p>
+          <a:p>
+            <a:r>
+              <a:rPr lang="en-US" dirty="0"/>
+              <a:t>Correct the mistakes</a:t>
+            </a:r>
+          </a:p>
+          <a:p>
+            <a:endParaRPr lang="en-US" dirty="0"/>
+          </a:p>
+          <a:p>
+            <a:r>
+              <a:rPr lang="en-US"/>
+              <a:t>Please calculate:</a:t>
+            </a:r>
+            <a:endParaRPr lang="en-US" dirty="0"/>
+          </a:p>
+          <a:p>
+            <a:pPr lvl="1"/>
+            <a:r>
+              <a:rPr lang="en-US" dirty="0"/>
+              <a:t> the mean age</a:t>
+            </a:r>
+          </a:p>
+          <a:p>
+            <a:pPr lvl="1"/>
+            <a:r>
+              <a:rPr lang="en-US" dirty="0"/>
+              <a:t>The average household size</a:t>
+            </a:r>
+          </a:p>
+          <a:p>
+            <a:pPr lvl="1"/>
+            <a:r>
+              <a:rPr lang="en-US" dirty="0"/>
+              <a:t>and the proportion of people in rural and urban areas. </a:t>
+            </a:r>
+          </a:p>
+          <a:p>
+            <a:endParaRPr lang="en-US" dirty="0"/>
+          </a:p>
+          <a:p>
+            <a:endParaRPr lang="en-US" dirty="0"/>
+          </a:p>
+        </p:txBody>
+      </p:sp>
+    </p:spTree>
+    <p:extLst>
+      <p:ext uri="{BB962C8B-B14F-4D97-AF65-F5344CB8AC3E}">
+        <p14:creationId xmlns:p14="http://schemas.microsoft.com/office/powerpoint/2010/main" val="1678403958"/>
+      </p:ext>
+    </p:extLst>
+  </p:cSld>
+  <p:clrMapOvr>
+    <a:masterClrMapping/>
+  </p:clrMapOvr>
+</p:sld>
+</file>
+
 <file path=ppt/slides/slide2.xml><?xml version="1.0" encoding="utf-8"?>
 <p:sld xmlns:a="http://schemas.openxmlformats.org/drawingml/2006/main" xmlns:r="http://schemas.openxmlformats.org/officeDocument/2006/relationships" xmlns:p="http://schemas.openxmlformats.org/presentationml/2006/main">
   <p:cSld>
